--- a/Presentation1.pptx
+++ b/Presentation1.pptx
@@ -11,8 +11,9 @@
     <p:sldId id="259" r:id="rId5"/>
     <p:sldId id="260" r:id="rId6"/>
     <p:sldId id="261" r:id="rId7"/>
-    <p:sldId id="262" r:id="rId8"/>
+    <p:sldId id="264" r:id="rId8"/>
     <p:sldId id="263" r:id="rId9"/>
+    <p:sldId id="262" r:id="rId10"/>
   </p:sldIdLst>
   <p:sldSz cx="12192000" cy="6858000"/>
   <p:notesSz cx="6858000" cy="9144000"/>
@@ -111,6 +112,11 @@
       </a:defRPr>
     </a:lvl9pPr>
   </p:defaultTextStyle>
+  <p:extLst>
+    <p:ext uri="{EFAFB233-063F-42B5-8137-9DF3F51BA10A}">
+      <p15:sldGuideLst xmlns:p15="http://schemas.microsoft.com/office/powerpoint/2012/main"/>
+    </p:ext>
+  </p:extLst>
 </p:presentation>
 </file>
 
@@ -583,7 +589,7 @@
           <a:p>
             <a:fld id="{EA0C0817-A112-4847-8014-A94B7D2A4EA3}" type="datetime1">
               <a:rPr lang="en-US" smtClean="0"/>
-              <a:t>12/17/2020</a:t>
+              <a:t>12/18/2020</a:t>
             </a:fld>
             <a:endParaRPr lang="en-US" dirty="0"/>
           </a:p>
@@ -785,7 +791,7 @@
           <a:p>
             <a:fld id="{134F40B7-36AB-4376-BE14-EF7004D79BB9}" type="datetime1">
               <a:rPr lang="en-US" smtClean="0"/>
-              <a:t>12/17/2020</a:t>
+              <a:t>12/18/2020</a:t>
             </a:fld>
             <a:endParaRPr lang="en-US"/>
           </a:p>
@@ -965,7 +971,7 @@
           <a:p>
             <a:fld id="{FF87CAB8-DCAE-46A5-AADA-B3FAD11A54E0}" type="datetime1">
               <a:rPr lang="en-US" smtClean="0"/>
-              <a:t>12/17/2020</a:t>
+              <a:t>12/18/2020</a:t>
             </a:fld>
             <a:endParaRPr lang="en-US"/>
           </a:p>
@@ -1135,7 +1141,7 @@
           <a:p>
             <a:fld id="{7332B432-ACDA-4023-A761-2BAB76577B62}" type="datetime1">
               <a:rPr lang="en-US" smtClean="0"/>
-              <a:t>12/17/2020</a:t>
+              <a:t>12/18/2020</a:t>
             </a:fld>
             <a:endParaRPr lang="en-US"/>
           </a:p>
@@ -1734,7 +1740,7 @@
           <a:p>
             <a:fld id="{D9C646AA-F36E-4540-911D-FFFC0A0EF24A}" type="datetime1">
               <a:rPr lang="en-US" smtClean="0"/>
-              <a:t>12/17/2020</a:t>
+              <a:t>12/18/2020</a:t>
             </a:fld>
             <a:endParaRPr lang="en-US" dirty="0"/>
           </a:p>
@@ -2054,7 +2060,7 @@
           <a:p>
             <a:fld id="{69186D26-FA5F-4637-B602-B7C2DC34CFD4}" type="datetime1">
               <a:rPr lang="en-US" smtClean="0"/>
-              <a:t>12/17/2020</a:t>
+              <a:t>12/18/2020</a:t>
             </a:fld>
             <a:endParaRPr lang="en-US"/>
           </a:p>
@@ -2489,7 +2495,7 @@
           <a:p>
             <a:fld id="{8A7F15D8-96D1-4781-BC50-CA8A088B2FE4}" type="datetime1">
               <a:rPr lang="en-US" smtClean="0"/>
-              <a:t>12/17/2020</a:t>
+              <a:t>12/18/2020</a:t>
             </a:fld>
             <a:endParaRPr lang="en-US"/>
           </a:p>
@@ -2607,7 +2613,7 @@
           <a:p>
             <a:fld id="{F9A96C99-B8F8-4528-BD05-0E16E943DC09}" type="datetime1">
               <a:rPr lang="en-US" smtClean="0"/>
-              <a:t>12/17/2020</a:t>
+              <a:t>12/18/2020</a:t>
             </a:fld>
             <a:endParaRPr lang="en-US"/>
           </a:p>
@@ -2702,7 +2708,7 @@
           <a:p>
             <a:fld id="{03636942-C211-4B28-8DBD-C953E00AF71B}" type="datetime1">
               <a:rPr lang="en-US" smtClean="0"/>
-              <a:t>12/17/2020</a:t>
+              <a:t>12/18/2020</a:t>
             </a:fld>
             <a:endParaRPr lang="en-US"/>
           </a:p>
@@ -3119,7 +3125,7 @@
           <a:p>
             <a:fld id="{7E8D12A6-918A-48BD-8CB9-CA713993B0EA}" type="datetime1">
               <a:rPr lang="en-US" smtClean="0"/>
-              <a:t>12/17/2020</a:t>
+              <a:t>12/18/2020</a:t>
             </a:fld>
             <a:endParaRPr lang="en-US"/>
           </a:p>
@@ -3381,7 +3387,7 @@
             <a:fld id="{E778CE86-875F-4587-BCF6-FA054AFC0D53}" type="datetime1">
               <a:rPr lang="en-US" smtClean="0"/>
               <a:pPr/>
-              <a:t>12/17/2020</a:t>
+              <a:t>12/18/2020</a:t>
             </a:fld>
             <a:endParaRPr lang="en-US" dirty="0"/>
           </a:p>
@@ -3897,7 +3903,7 @@
           <a:p>
             <a:fld id="{F6FA2B21-3FCD-4721-B95C-427943F61125}" type="datetime1">
               <a:rPr lang="en-US" smtClean="0"/>
-              <a:t>12/17/2020</a:t>
+              <a:t>12/18/2020</a:t>
             </a:fld>
             <a:endParaRPr lang="en-US"/>
           </a:p>
@@ -5151,6 +5157,14 @@
 <file path=ppt/slides/slide5.xml><?xml version="1.0" encoding="utf-8"?>
 <p:sld xmlns:a="http://schemas.openxmlformats.org/drawingml/2006/main" xmlns:r="http://schemas.openxmlformats.org/officeDocument/2006/relationships" xmlns:p="http://schemas.openxmlformats.org/presentationml/2006/main">
   <p:cSld>
+    <p:bg>
+      <p:bgPr>
+        <a:solidFill>
+          <a:schemeClr val="bg1"/>
+        </a:solidFill>
+        <a:effectLst/>
+      </p:bgPr>
+    </p:bg>
     <p:spTree>
       <p:nvGrpSpPr>
         <p:cNvPr id="1" name=""/>
@@ -5167,6 +5181,708 @@
       </p:grpSpPr>
       <p:sp>
         <p:nvSpPr>
+          <p:cNvPr id="12" name="Rectangle 11">
+            <a:extLst>
+              <a:ext uri="{FF2B5EF4-FFF2-40B4-BE49-F238E27FC236}">
+                <a16:creationId xmlns:a16="http://schemas.microsoft.com/office/drawing/2014/main" id="{904DB13E-F722-4ED6-BB00-556651E95281}"/>
+              </a:ext>
+              <a:ext uri="{C183D7F6-B498-43B3-948B-1728B52AA6E4}">
+                <adec:decorative xmlns:adec="http://schemas.microsoft.com/office/drawing/2017/decorative" val="1"/>
+              </a:ext>
+            </a:extLst>
+          </p:cNvPr>
+          <p:cNvSpPr>
+            <a:spLocks noGrp="1" noRot="1" noChangeAspect="1" noMove="1" noResize="1" noEditPoints="1" noAdjustHandles="1" noChangeArrowheads="1" noChangeShapeType="1" noTextEdit="1"/>
+          </p:cNvSpPr>
+          <p:nvPr>
+            <p:extLst>
+              <p:ext uri="{386F3935-93C4-4BCD-93E2-E3B085C9AB24}">
+                <p16:designElem xmlns:p16="http://schemas.microsoft.com/office/powerpoint/2015/main" val="1"/>
+              </p:ext>
+            </p:extLst>
+          </p:nvPr>
+        </p:nvSpPr>
+        <p:spPr>
+          <a:xfrm>
+            <a:off x="0" y="0"/>
+            <a:ext cx="12192000" cy="6858000"/>
+          </a:xfrm>
+          <a:prstGeom prst="rect">
+            <a:avLst/>
+          </a:prstGeom>
+          <a:solidFill>
+            <a:schemeClr val="tx1">
+              <a:lumMod val="65000"/>
+              <a:lumOff val="35000"/>
+            </a:schemeClr>
+          </a:solidFill>
+          <a:ln>
+            <a:noFill/>
+          </a:ln>
+        </p:spPr>
+        <p:style>
+          <a:lnRef idx="2">
+            <a:schemeClr val="accent1">
+              <a:shade val="50000"/>
+            </a:schemeClr>
+          </a:lnRef>
+          <a:fillRef idx="1">
+            <a:schemeClr val="accent1"/>
+          </a:fillRef>
+          <a:effectRef idx="0">
+            <a:schemeClr val="accent1"/>
+          </a:effectRef>
+          <a:fontRef idx="minor">
+            <a:schemeClr val="lt1"/>
+          </a:fontRef>
+        </p:style>
+        <p:txBody>
+          <a:bodyPr rtlCol="0" anchor="ctr"/>
+          <a:lstStyle/>
+          <a:p>
+            <a:pPr algn="ctr"/>
+            <a:endParaRPr lang="en-US"/>
+          </a:p>
+        </p:txBody>
+      </p:sp>
+      <p:sp useBgFill="1">
+        <p:nvSpPr>
+          <p:cNvPr id="14" name="Rectangle 13">
+            <a:extLst>
+              <a:ext uri="{FF2B5EF4-FFF2-40B4-BE49-F238E27FC236}">
+                <a16:creationId xmlns:a16="http://schemas.microsoft.com/office/drawing/2014/main" id="{1E8D93C5-28EB-42D0-86CE-D804955653CC}"/>
+              </a:ext>
+              <a:ext uri="{C183D7F6-B498-43B3-948B-1728B52AA6E4}">
+                <adec:decorative xmlns:adec="http://schemas.microsoft.com/office/drawing/2017/decorative" val="1"/>
+              </a:ext>
+            </a:extLst>
+          </p:cNvPr>
+          <p:cNvSpPr>
+            <a:spLocks noGrp="1" noRot="1" noChangeAspect="1" noMove="1" noResize="1" noEditPoints="1" noAdjustHandles="1" noChangeArrowheads="1" noChangeShapeType="1" noTextEdit="1"/>
+          </p:cNvSpPr>
+          <p:nvPr>
+            <p:extLst>
+              <p:ext uri="{386F3935-93C4-4BCD-93E2-E3B085C9AB24}">
+                <p16:designElem xmlns:p16="http://schemas.microsoft.com/office/powerpoint/2015/main" val="1"/>
+              </p:ext>
+            </p:extLst>
+          </p:nvPr>
+        </p:nvSpPr>
+        <p:spPr>
+          <a:xfrm>
+            <a:off x="1307870" y="1267730"/>
+            <a:ext cx="9576262" cy="4307950"/>
+          </a:xfrm>
+          <a:prstGeom prst="rect">
+            <a:avLst/>
+          </a:prstGeom>
+          <a:ln w="6350" cap="flat" cmpd="sng" algn="ctr">
+            <a:noFill/>
+            <a:prstDash val="solid"/>
+          </a:ln>
+          <a:effectLst>
+            <a:outerShdw blurRad="50800" algn="ctr" rotWithShape="0">
+              <a:prstClr val="black">
+                <a:alpha val="66000"/>
+              </a:prstClr>
+            </a:outerShdw>
+            <a:softEdge rad="0"/>
+          </a:effectLst>
+        </p:spPr>
+      </p:sp>
+      <p:sp>
+        <p:nvSpPr>
+          <p:cNvPr id="16" name="Rectangle 15">
+            <a:extLst>
+              <a:ext uri="{FF2B5EF4-FFF2-40B4-BE49-F238E27FC236}">
+                <a16:creationId xmlns:a16="http://schemas.microsoft.com/office/drawing/2014/main" id="{AB1B1E7D-F76D-4744-AF85-239E6998A4C5}"/>
+              </a:ext>
+              <a:ext uri="{C183D7F6-B498-43B3-948B-1728B52AA6E4}">
+                <adec:decorative xmlns:adec="http://schemas.microsoft.com/office/drawing/2017/decorative" val="1"/>
+              </a:ext>
+            </a:extLst>
+          </p:cNvPr>
+          <p:cNvSpPr>
+            <a:spLocks noGrp="1" noRot="1" noChangeAspect="1" noMove="1" noResize="1" noEditPoints="1" noAdjustHandles="1" noChangeArrowheads="1" noChangeShapeType="1" noTextEdit="1"/>
+          </p:cNvSpPr>
+          <p:nvPr>
+            <p:extLst>
+              <p:ext uri="{386F3935-93C4-4BCD-93E2-E3B085C9AB24}">
+                <p16:designElem xmlns:p16="http://schemas.microsoft.com/office/powerpoint/2015/main" val="1"/>
+              </p:ext>
+            </p:extLst>
+          </p:nvPr>
+        </p:nvSpPr>
+        <p:spPr>
+          <a:xfrm>
+            <a:off x="1447801" y="1411615"/>
+            <a:ext cx="9296400" cy="4034770"/>
+          </a:xfrm>
+          <a:prstGeom prst="rect">
+            <a:avLst/>
+          </a:prstGeom>
+          <a:noFill/>
+          <a:ln w="6350" cap="sq" cmpd="sng" algn="ctr">
+            <a:solidFill>
+              <a:schemeClr val="tx1">
+                <a:lumMod val="75000"/>
+                <a:lumOff val="25000"/>
+              </a:schemeClr>
+            </a:solidFill>
+            <a:prstDash val="solid"/>
+            <a:miter lim="800000"/>
+          </a:ln>
+          <a:effectLst/>
+        </p:spPr>
+      </p:sp>
+      <p:sp>
+        <p:nvSpPr>
+          <p:cNvPr id="18" name="Rectangle 17">
+            <a:extLst>
+              <a:ext uri="{FF2B5EF4-FFF2-40B4-BE49-F238E27FC236}">
+                <a16:creationId xmlns:a16="http://schemas.microsoft.com/office/drawing/2014/main" id="{3BB65211-00DB-45B6-A223-033B2D19CBE8}"/>
+              </a:ext>
+              <a:ext uri="{C183D7F6-B498-43B3-948B-1728B52AA6E4}">
+                <adec:decorative xmlns:adec="http://schemas.microsoft.com/office/drawing/2017/decorative" val="1"/>
+              </a:ext>
+            </a:extLst>
+          </p:cNvPr>
+          <p:cNvSpPr>
+            <a:spLocks noGrp="1" noRot="1" noChangeAspect="1" noMove="1" noResize="1" noEditPoints="1" noAdjustHandles="1" noChangeArrowheads="1" noChangeShapeType="1" noTextEdit="1"/>
+          </p:cNvSpPr>
+          <p:nvPr>
+            <p:extLst>
+              <p:ext uri="{386F3935-93C4-4BCD-93E2-E3B085C9AB24}">
+                <p16:designElem xmlns:p16="http://schemas.microsoft.com/office/powerpoint/2015/main" val="1"/>
+              </p:ext>
+            </p:extLst>
+          </p:nvPr>
+        </p:nvSpPr>
+        <p:spPr>
+          <a:xfrm>
+            <a:off x="5135880" y="1267730"/>
+            <a:ext cx="1920240" cy="731520"/>
+          </a:xfrm>
+          <a:prstGeom prst="rect">
+            <a:avLst/>
+          </a:prstGeom>
+          <a:solidFill>
+            <a:schemeClr val="accent1"/>
+          </a:solidFill>
+          <a:ln>
+            <a:noFill/>
+          </a:ln>
+        </p:spPr>
+        <p:style>
+          <a:lnRef idx="2">
+            <a:schemeClr val="accent1">
+              <a:shade val="50000"/>
+            </a:schemeClr>
+          </a:lnRef>
+          <a:fillRef idx="1">
+            <a:schemeClr val="accent1"/>
+          </a:fillRef>
+          <a:effectRef idx="0">
+            <a:schemeClr val="accent1"/>
+          </a:effectRef>
+          <a:fontRef idx="minor">
+            <a:schemeClr val="lt1"/>
+          </a:fontRef>
+        </p:style>
+      </p:sp>
+      <p:grpSp>
+        <p:nvGrpSpPr>
+          <p:cNvPr id="20" name="Group 19">
+            <a:extLst>
+              <a:ext uri="{FF2B5EF4-FFF2-40B4-BE49-F238E27FC236}">
+                <a16:creationId xmlns:a16="http://schemas.microsoft.com/office/drawing/2014/main" id="{E26428D7-C6F3-473D-A360-A3F5C3E8728C}"/>
+              </a:ext>
+              <a:ext uri="{C183D7F6-B498-43B3-948B-1728B52AA6E4}">
+                <adec:decorative xmlns:adec="http://schemas.microsoft.com/office/drawing/2017/decorative" val="1"/>
+              </a:ext>
+            </a:extLst>
+          </p:cNvPr>
+          <p:cNvGrpSpPr>
+            <a:grpSpLocks noGrp="1" noUngrp="1" noRot="1" noChangeAspect="1" noMove="1" noResize="1"/>
+          </p:cNvGrpSpPr>
+          <p:nvPr>
+            <p:extLst>
+              <p:ext uri="{386F3935-93C4-4BCD-93E2-E3B085C9AB24}">
+                <p16:designElem xmlns:p16="http://schemas.microsoft.com/office/powerpoint/2015/main" val="1"/>
+              </p:ext>
+            </p:extLst>
+          </p:nvPr>
+        </p:nvGrpSpPr>
+        <p:grpSpPr>
+          <a:xfrm>
+            <a:off x="5250180" y="1267730"/>
+            <a:ext cx="1691640" cy="615934"/>
+            <a:chOff x="5250180" y="1267730"/>
+            <a:chExt cx="1691640" cy="615934"/>
+          </a:xfrm>
+        </p:grpSpPr>
+        <p:cxnSp>
+          <p:nvCxnSpPr>
+            <p:cNvPr id="21" name="Straight Connector 20">
+              <a:extLst>
+                <a:ext uri="{FF2B5EF4-FFF2-40B4-BE49-F238E27FC236}">
+                  <a16:creationId xmlns:a16="http://schemas.microsoft.com/office/drawing/2014/main" id="{14DF524F-3FEF-4236-90C6-820E876A94EE}"/>
+                </a:ext>
+                <a:ext uri="{C183D7F6-B498-43B3-948B-1728B52AA6E4}">
+                  <adec:decorative xmlns:adec="http://schemas.microsoft.com/office/drawing/2017/decorative" val="1"/>
+                </a:ext>
+              </a:extLst>
+            </p:cNvPr>
+            <p:cNvCxnSpPr/>
+            <p:nvPr>
+              <p:extLst>
+                <p:ext uri="{386F3935-93C4-4BCD-93E2-E3B085C9AB24}">
+                  <p16:designElem xmlns:p16="http://schemas.microsoft.com/office/powerpoint/2015/main" val="1"/>
+                </p:ext>
+              </p:extLst>
+            </p:nvPr>
+          </p:nvCxnSpPr>
+          <p:spPr>
+            <a:xfrm>
+              <a:off x="5250180" y="1267730"/>
+              <a:ext cx="0" cy="612648"/>
+            </a:xfrm>
+            <a:prstGeom prst="line">
+              <a:avLst/>
+            </a:prstGeom>
+            <a:solidFill>
+              <a:schemeClr val="tx1">
+                <a:lumMod val="85000"/>
+                <a:lumOff val="15000"/>
+              </a:schemeClr>
+            </a:solidFill>
+            <a:ln>
+              <a:solidFill>
+                <a:srgbClr val="FFFFFF"/>
+              </a:solidFill>
+              <a:miter lim="800000"/>
+            </a:ln>
+          </p:spPr>
+          <p:style>
+            <a:lnRef idx="1">
+              <a:schemeClr val="accent1"/>
+            </a:lnRef>
+            <a:fillRef idx="0">
+              <a:schemeClr val="accent1"/>
+            </a:fillRef>
+            <a:effectRef idx="0">
+              <a:schemeClr val="accent1"/>
+            </a:effectRef>
+            <a:fontRef idx="minor">
+              <a:schemeClr val="tx1"/>
+            </a:fontRef>
+          </p:style>
+        </p:cxnSp>
+        <p:cxnSp>
+          <p:nvCxnSpPr>
+            <p:cNvPr id="22" name="Straight Connector 21">
+              <a:extLst>
+                <a:ext uri="{FF2B5EF4-FFF2-40B4-BE49-F238E27FC236}">
+                  <a16:creationId xmlns:a16="http://schemas.microsoft.com/office/drawing/2014/main" id="{2400A003-1BE9-49C2-8E57-DCD9B870FC8A}"/>
+                </a:ext>
+                <a:ext uri="{C183D7F6-B498-43B3-948B-1728B52AA6E4}">
+                  <adec:decorative xmlns:adec="http://schemas.microsoft.com/office/drawing/2017/decorative" val="1"/>
+                </a:ext>
+              </a:extLst>
+            </p:cNvPr>
+            <p:cNvCxnSpPr/>
+            <p:nvPr>
+              <p:extLst>
+                <p:ext uri="{386F3935-93C4-4BCD-93E2-E3B085C9AB24}">
+                  <p16:designElem xmlns:p16="http://schemas.microsoft.com/office/powerpoint/2015/main" val="1"/>
+                </p:ext>
+              </p:extLst>
+            </p:nvPr>
+          </p:nvCxnSpPr>
+          <p:spPr>
+            <a:xfrm>
+              <a:off x="6941820" y="1267730"/>
+              <a:ext cx="0" cy="612648"/>
+            </a:xfrm>
+            <a:prstGeom prst="line">
+              <a:avLst/>
+            </a:prstGeom>
+            <a:solidFill>
+              <a:schemeClr val="tx1">
+                <a:lumMod val="85000"/>
+                <a:lumOff val="15000"/>
+              </a:schemeClr>
+            </a:solidFill>
+            <a:ln>
+              <a:solidFill>
+                <a:srgbClr val="FFFFFF"/>
+              </a:solidFill>
+              <a:miter lim="800000"/>
+            </a:ln>
+          </p:spPr>
+          <p:style>
+            <a:lnRef idx="1">
+              <a:schemeClr val="accent1"/>
+            </a:lnRef>
+            <a:fillRef idx="0">
+              <a:schemeClr val="accent1"/>
+            </a:fillRef>
+            <a:effectRef idx="0">
+              <a:schemeClr val="accent1"/>
+            </a:effectRef>
+            <a:fontRef idx="minor">
+              <a:schemeClr val="tx1"/>
+            </a:fontRef>
+          </p:style>
+        </p:cxnSp>
+        <p:cxnSp>
+          <p:nvCxnSpPr>
+            <p:cNvPr id="23" name="Straight Connector 22">
+              <a:extLst>
+                <a:ext uri="{FF2B5EF4-FFF2-40B4-BE49-F238E27FC236}">
+                  <a16:creationId xmlns:a16="http://schemas.microsoft.com/office/drawing/2014/main" id="{83BF0991-F9A1-4282-99DB-92D70239F6A9}"/>
+                </a:ext>
+                <a:ext uri="{C183D7F6-B498-43B3-948B-1728B52AA6E4}">
+                  <adec:decorative xmlns:adec="http://schemas.microsoft.com/office/drawing/2017/decorative" val="1"/>
+                </a:ext>
+              </a:extLst>
+            </p:cNvPr>
+            <p:cNvCxnSpPr/>
+            <p:nvPr>
+              <p:extLst>
+                <p:ext uri="{386F3935-93C4-4BCD-93E2-E3B085C9AB24}">
+                  <p16:designElem xmlns:p16="http://schemas.microsoft.com/office/powerpoint/2015/main" val="1"/>
+                </p:ext>
+              </p:extLst>
+            </p:nvPr>
+          </p:nvCxnSpPr>
+          <p:spPr>
+            <a:xfrm>
+              <a:off x="5250180" y="1883664"/>
+              <a:ext cx="1691640" cy="0"/>
+            </a:xfrm>
+            <a:prstGeom prst="line">
+              <a:avLst/>
+            </a:prstGeom>
+            <a:solidFill>
+              <a:schemeClr val="tx1">
+                <a:lumMod val="85000"/>
+                <a:lumOff val="15000"/>
+              </a:schemeClr>
+            </a:solidFill>
+            <a:ln>
+              <a:solidFill>
+                <a:srgbClr val="FFFFFF"/>
+              </a:solidFill>
+              <a:miter lim="800000"/>
+            </a:ln>
+          </p:spPr>
+          <p:style>
+            <a:lnRef idx="1">
+              <a:schemeClr val="accent1"/>
+            </a:lnRef>
+            <a:fillRef idx="0">
+              <a:schemeClr val="accent1"/>
+            </a:fillRef>
+            <a:effectRef idx="0">
+              <a:schemeClr val="accent1"/>
+            </a:effectRef>
+            <a:fontRef idx="minor">
+              <a:schemeClr val="tx1"/>
+            </a:fontRef>
+          </p:style>
+        </p:cxnSp>
+      </p:grpSp>
+      <p:sp>
+        <p:nvSpPr>
+          <p:cNvPr id="25" name="Rectangle 24">
+            <a:extLst>
+              <a:ext uri="{FF2B5EF4-FFF2-40B4-BE49-F238E27FC236}">
+                <a16:creationId xmlns:a16="http://schemas.microsoft.com/office/drawing/2014/main" id="{EA4E4267-CAF0-4C38-8DC6-CD3B1A9F046E}"/>
+              </a:ext>
+              <a:ext uri="{C183D7F6-B498-43B3-948B-1728B52AA6E4}">
+                <adec:decorative xmlns:adec="http://schemas.microsoft.com/office/drawing/2017/decorative" val="1"/>
+              </a:ext>
+            </a:extLst>
+          </p:cNvPr>
+          <p:cNvSpPr>
+            <a:spLocks noGrp="1" noRot="1" noChangeAspect="1" noMove="1" noResize="1" noEditPoints="1" noAdjustHandles="1" noChangeArrowheads="1" noChangeShapeType="1" noTextEdit="1"/>
+          </p:cNvSpPr>
+          <p:nvPr>
+            <p:extLst>
+              <p:ext uri="{386F3935-93C4-4BCD-93E2-E3B085C9AB24}">
+                <p16:designElem xmlns:p16="http://schemas.microsoft.com/office/powerpoint/2015/main" val="1"/>
+              </p:ext>
+            </p:extLst>
+          </p:nvPr>
+        </p:nvSpPr>
+        <p:spPr>
+          <a:xfrm>
+            <a:off x="0" y="0"/>
+            <a:ext cx="12192000" cy="6858000"/>
+          </a:xfrm>
+          <a:prstGeom prst="rect">
+            <a:avLst/>
+          </a:prstGeom>
+          <a:solidFill>
+            <a:schemeClr val="bg2"/>
+          </a:solidFill>
+          <a:ln>
+            <a:noFill/>
+          </a:ln>
+        </p:spPr>
+        <p:style>
+          <a:lnRef idx="2">
+            <a:schemeClr val="accent1">
+              <a:shade val="50000"/>
+            </a:schemeClr>
+          </a:lnRef>
+          <a:fillRef idx="1002">
+            <a:schemeClr val="lt2"/>
+          </a:fillRef>
+          <a:effectRef idx="0">
+            <a:schemeClr val="accent1"/>
+          </a:effectRef>
+          <a:fontRef idx="minor">
+            <a:schemeClr val="lt1"/>
+          </a:fontRef>
+        </p:style>
+        <p:txBody>
+          <a:bodyPr rtlCol="0" anchor="ctr"/>
+          <a:lstStyle/>
+          <a:p>
+            <a:pPr algn="ctr"/>
+            <a:endParaRPr lang="en-US"/>
+          </a:p>
+        </p:txBody>
+      </p:sp>
+      <p:sp>
+        <p:nvSpPr>
+          <p:cNvPr id="27" name="Rectangle 26">
+            <a:extLst>
+              <a:ext uri="{FF2B5EF4-FFF2-40B4-BE49-F238E27FC236}">
+                <a16:creationId xmlns:a16="http://schemas.microsoft.com/office/drawing/2014/main" id="{0EE3ACC5-126D-4BA4-8B45-7F0B5B839C51}"/>
+              </a:ext>
+              <a:ext uri="{C183D7F6-B498-43B3-948B-1728B52AA6E4}">
+                <adec:decorative xmlns:adec="http://schemas.microsoft.com/office/drawing/2017/decorative" val="1"/>
+              </a:ext>
+            </a:extLst>
+          </p:cNvPr>
+          <p:cNvSpPr>
+            <a:spLocks noGrp="1" noRot="1" noChangeAspect="1" noMove="1" noResize="1" noEditPoints="1" noAdjustHandles="1" noChangeArrowheads="1" noChangeShapeType="1" noTextEdit="1"/>
+          </p:cNvSpPr>
+          <p:nvPr>
+            <p:extLst>
+              <p:ext uri="{386F3935-93C4-4BCD-93E2-E3B085C9AB24}">
+                <p16:designElem xmlns:p16="http://schemas.microsoft.com/office/powerpoint/2015/main" val="1"/>
+              </p:ext>
+            </p:extLst>
+          </p:nvPr>
+        </p:nvSpPr>
+        <p:spPr>
+          <a:xfrm>
+            <a:off x="0" y="-2384"/>
+            <a:ext cx="12192000" cy="6858000"/>
+          </a:xfrm>
+          <a:prstGeom prst="rect">
+            <a:avLst/>
+          </a:prstGeom>
+          <a:blipFill dpi="0" rotWithShape="1">
+            <a:blip r:embed="rId2">
+              <a:alphaModFix amt="40000"/>
+              <a:duotone>
+                <a:schemeClr val="accent1">
+                  <a:shade val="45000"/>
+                  <a:satMod val="135000"/>
+                </a:schemeClr>
+                <a:prstClr val="white"/>
+              </a:duotone>
+            </a:blip>
+            <a:srcRect/>
+            <a:tile tx="-133350" ty="330200" sx="85000" sy="85000" flip="xy" algn="tl"/>
+          </a:blipFill>
+          <a:ln>
+            <a:noFill/>
+          </a:ln>
+        </p:spPr>
+        <p:style>
+          <a:lnRef idx="2">
+            <a:schemeClr val="accent1">
+              <a:shade val="50000"/>
+            </a:schemeClr>
+          </a:lnRef>
+          <a:fillRef idx="1">
+            <a:schemeClr val="accent1"/>
+          </a:fillRef>
+          <a:effectRef idx="0">
+            <a:schemeClr val="accent1"/>
+          </a:effectRef>
+          <a:fontRef idx="minor">
+            <a:schemeClr val="lt1"/>
+          </a:fontRef>
+        </p:style>
+      </p:sp>
+      <p:sp>
+        <p:nvSpPr>
+          <p:cNvPr id="29" name="Rectangle 28">
+            <a:extLst>
+              <a:ext uri="{FF2B5EF4-FFF2-40B4-BE49-F238E27FC236}">
+                <a16:creationId xmlns:a16="http://schemas.microsoft.com/office/drawing/2014/main" id="{AB2868F7-FE10-4289-A5BD-90763C7A2F5A}"/>
+              </a:ext>
+              <a:ext uri="{C183D7F6-B498-43B3-948B-1728B52AA6E4}">
+                <adec:decorative xmlns:adec="http://schemas.microsoft.com/office/drawing/2017/decorative" val="1"/>
+              </a:ext>
+            </a:extLst>
+          </p:cNvPr>
+          <p:cNvSpPr>
+            <a:spLocks noGrp="1" noRot="1" noChangeAspect="1" noMove="1" noResize="1" noEditPoints="1" noAdjustHandles="1" noChangeArrowheads="1" noChangeShapeType="1" noTextEdit="1"/>
+          </p:cNvSpPr>
+          <p:nvPr>
+            <p:extLst>
+              <p:ext uri="{386F3935-93C4-4BCD-93E2-E3B085C9AB24}">
+                <p16:designElem xmlns:p16="http://schemas.microsoft.com/office/powerpoint/2015/main" val="1"/>
+              </p:ext>
+            </p:extLst>
+          </p:nvPr>
+        </p:nvSpPr>
+        <p:spPr>
+          <a:xfrm>
+            <a:off x="1" y="0"/>
+            <a:ext cx="12193866" cy="6858000"/>
+          </a:xfrm>
+          <a:prstGeom prst="rect">
+            <a:avLst/>
+          </a:prstGeom>
+          <a:solidFill>
+            <a:schemeClr val="bg1">
+              <a:lumMod val="75000"/>
+              <a:lumOff val="25000"/>
+            </a:schemeClr>
+          </a:solidFill>
+          <a:ln>
+            <a:noFill/>
+          </a:ln>
+        </p:spPr>
+        <p:style>
+          <a:lnRef idx="2">
+            <a:schemeClr val="accent1">
+              <a:shade val="50000"/>
+            </a:schemeClr>
+          </a:lnRef>
+          <a:fillRef idx="1">
+            <a:schemeClr val="accent1"/>
+          </a:fillRef>
+          <a:effectRef idx="0">
+            <a:schemeClr val="accent1"/>
+          </a:effectRef>
+          <a:fontRef idx="minor">
+            <a:schemeClr val="lt1"/>
+          </a:fontRef>
+        </p:style>
+        <p:txBody>
+          <a:bodyPr rtlCol="0" anchor="ctr"/>
+          <a:lstStyle/>
+          <a:p>
+            <a:pPr algn="ctr"/>
+            <a:endParaRPr lang="en-US"/>
+          </a:p>
+        </p:txBody>
+      </p:sp>
+      <p:sp>
+        <p:nvSpPr>
+          <p:cNvPr id="31" name="Rectangle 30">
+            <a:extLst>
+              <a:ext uri="{FF2B5EF4-FFF2-40B4-BE49-F238E27FC236}">
+                <a16:creationId xmlns:a16="http://schemas.microsoft.com/office/drawing/2014/main" id="{BD94142C-10EE-487C-A327-404FDF358F22}"/>
+              </a:ext>
+              <a:ext uri="{C183D7F6-B498-43B3-948B-1728B52AA6E4}">
+                <adec:decorative xmlns:adec="http://schemas.microsoft.com/office/drawing/2017/decorative" val="1"/>
+              </a:ext>
+            </a:extLst>
+          </p:cNvPr>
+          <p:cNvSpPr>
+            <a:spLocks noGrp="1" noRot="1" noChangeAspect="1" noMove="1" noResize="1" noEditPoints="1" noAdjustHandles="1" noChangeArrowheads="1" noChangeShapeType="1" noTextEdit="1"/>
+          </p:cNvSpPr>
+          <p:nvPr>
+            <p:extLst>
+              <p:ext uri="{386F3935-93C4-4BCD-93E2-E3B085C9AB24}">
+                <p16:designElem xmlns:p16="http://schemas.microsoft.com/office/powerpoint/2015/main" val="1"/>
+              </p:ext>
+            </p:extLst>
+          </p:nvPr>
+        </p:nvSpPr>
+        <p:spPr>
+          <a:xfrm>
+            <a:off x="656197" y="643464"/>
+            <a:ext cx="4143830" cy="5566305"/>
+          </a:xfrm>
+          <a:prstGeom prst="rect">
+            <a:avLst/>
+          </a:prstGeom>
+          <a:solidFill>
+            <a:schemeClr val="tx1">
+              <a:lumMod val="75000"/>
+              <a:lumOff val="25000"/>
+            </a:schemeClr>
+          </a:solidFill>
+          <a:ln w="6350" cap="flat" cmpd="sng" algn="ctr">
+            <a:noFill/>
+            <a:prstDash val="solid"/>
+          </a:ln>
+          <a:effectLst>
+            <a:outerShdw blurRad="50800" algn="ctr" rotWithShape="0">
+              <a:prstClr val="black">
+                <a:alpha val="66000"/>
+              </a:prstClr>
+            </a:outerShdw>
+            <a:softEdge rad="0"/>
+          </a:effectLst>
+        </p:spPr>
+      </p:sp>
+      <p:sp>
+        <p:nvSpPr>
+          <p:cNvPr id="33" name="Rectangle 32">
+            <a:extLst>
+              <a:ext uri="{FF2B5EF4-FFF2-40B4-BE49-F238E27FC236}">
+                <a16:creationId xmlns:a16="http://schemas.microsoft.com/office/drawing/2014/main" id="{5F7FAC2D-7A74-4939-A917-A1A5AF935685}"/>
+              </a:ext>
+              <a:ext uri="{C183D7F6-B498-43B3-948B-1728B52AA6E4}">
+                <adec:decorative xmlns:adec="http://schemas.microsoft.com/office/drawing/2017/decorative" val="1"/>
+              </a:ext>
+            </a:extLst>
+          </p:cNvPr>
+          <p:cNvSpPr>
+            <a:spLocks noGrp="1" noRot="1" noChangeAspect="1" noMove="1" noResize="1" noEditPoints="1" noAdjustHandles="1" noChangeArrowheads="1" noChangeShapeType="1" noTextEdit="1"/>
+          </p:cNvSpPr>
+          <p:nvPr>
+            <p:extLst>
+              <p:ext uri="{386F3935-93C4-4BCD-93E2-E3B085C9AB24}">
+                <p16:designElem xmlns:p16="http://schemas.microsoft.com/office/powerpoint/2015/main" val="1"/>
+              </p:ext>
+            </p:extLst>
+          </p:nvPr>
+        </p:nvSpPr>
+        <p:spPr>
+          <a:xfrm>
+            <a:off x="821587" y="806860"/>
+            <a:ext cx="3813048" cy="5239512"/>
+          </a:xfrm>
+          <a:prstGeom prst="rect">
+            <a:avLst/>
+          </a:prstGeom>
+          <a:noFill/>
+          <a:ln w="6350" cap="sq" cmpd="sng" algn="ctr">
+            <a:solidFill>
+              <a:schemeClr val="bg1"/>
+            </a:solidFill>
+            <a:prstDash val="solid"/>
+            <a:miter lim="800000"/>
+          </a:ln>
+          <a:effectLst/>
+        </p:spPr>
+      </p:sp>
+      <p:sp>
+        <p:nvSpPr>
           <p:cNvPr id="2" name="Title 1">
             <a:extLst>
               <a:ext uri="{FF2B5EF4-FFF2-40B4-BE49-F238E27FC236}">
@@ -5181,24 +5897,272 @@
             <p:ph type="title"/>
           </p:nvPr>
         </p:nvSpPr>
-        <p:spPr/>
-        <p:txBody>
-          <a:bodyPr/>
+        <p:spPr>
+          <a:xfrm>
+            <a:off x="1256493" y="1559768"/>
+            <a:ext cx="2978281" cy="3135379"/>
+          </a:xfrm>
+        </p:spPr>
+        <p:txBody>
+          <a:bodyPr vert="horz" lIns="91440" tIns="45720" rIns="91440" bIns="45720" rtlCol="0" anchor="ctr">
+            <a:normAutofit/>
+          </a:bodyPr>
           <a:lstStyle/>
           <a:p>
-            <a:r>
-              <a:rPr lang="en-AU" dirty="0"/>
+            <a:pPr algn="ctr">
+              <a:lnSpc>
+                <a:spcPct val="83000"/>
+              </a:lnSpc>
+            </a:pPr>
+            <a:r>
+              <a:rPr lang="en-US" sz="4800" b="0" cap="all" spc="-100">
+                <a:solidFill>
+                  <a:schemeClr val="bg1"/>
+                </a:solidFill>
+              </a:rPr>
               <a:t>Flow chart</a:t>
             </a:r>
           </a:p>
         </p:txBody>
       </p:sp>
+      <p:sp>
+        <p:nvSpPr>
+          <p:cNvPr id="35" name="Rectangle 34">
+            <a:extLst>
+              <a:ext uri="{FF2B5EF4-FFF2-40B4-BE49-F238E27FC236}">
+                <a16:creationId xmlns:a16="http://schemas.microsoft.com/office/drawing/2014/main" id="{BA53A868-C420-4BAE-9244-EC162AF05CFC}"/>
+              </a:ext>
+              <a:ext uri="{C183D7F6-B498-43B3-948B-1728B52AA6E4}">
+                <adec:decorative xmlns:adec="http://schemas.microsoft.com/office/drawing/2017/decorative" val="1"/>
+              </a:ext>
+            </a:extLst>
+          </p:cNvPr>
+          <p:cNvSpPr>
+            <a:spLocks noGrp="1" noRot="1" noChangeAspect="1" noMove="1" noResize="1" noEditPoints="1" noAdjustHandles="1" noChangeArrowheads="1" noChangeShapeType="1" noTextEdit="1"/>
+          </p:cNvSpPr>
+          <p:nvPr>
+            <p:extLst>
+              <p:ext uri="{386F3935-93C4-4BCD-93E2-E3B085C9AB24}">
+                <p16:designElem xmlns:p16="http://schemas.microsoft.com/office/powerpoint/2015/main" val="1"/>
+              </p:ext>
+            </p:extLst>
+          </p:nvPr>
+        </p:nvSpPr>
+        <p:spPr>
+          <a:xfrm>
+            <a:off x="1767992" y="640856"/>
+            <a:ext cx="1920240" cy="731520"/>
+          </a:xfrm>
+          <a:prstGeom prst="rect">
+            <a:avLst/>
+          </a:prstGeom>
+          <a:solidFill>
+            <a:schemeClr val="accent1"/>
+          </a:solidFill>
+          <a:ln>
+            <a:noFill/>
+          </a:ln>
+        </p:spPr>
+        <p:style>
+          <a:lnRef idx="2">
+            <a:schemeClr val="accent1">
+              <a:shade val="50000"/>
+            </a:schemeClr>
+          </a:lnRef>
+          <a:fillRef idx="1">
+            <a:schemeClr val="accent1"/>
+          </a:fillRef>
+          <a:effectRef idx="0">
+            <a:schemeClr val="accent1"/>
+          </a:effectRef>
+          <a:fontRef idx="minor">
+            <a:schemeClr val="lt1"/>
+          </a:fontRef>
+        </p:style>
+      </p:sp>
+      <p:cxnSp>
+        <p:nvCxnSpPr>
+          <p:cNvPr id="37" name="Straight Connector 36">
+            <a:extLst>
+              <a:ext uri="{FF2B5EF4-FFF2-40B4-BE49-F238E27FC236}">
+                <a16:creationId xmlns:a16="http://schemas.microsoft.com/office/drawing/2014/main" id="{C2686EF3-81CC-419F-96C3-002A75880309}"/>
+              </a:ext>
+              <a:ext uri="{C183D7F6-B498-43B3-948B-1728B52AA6E4}">
+                <adec:decorative xmlns:adec="http://schemas.microsoft.com/office/drawing/2017/decorative" val="1"/>
+              </a:ext>
+            </a:extLst>
+          </p:cNvPr>
+          <p:cNvCxnSpPr>
+            <a:cxnSpLocks noGrp="1" noRot="1" noChangeAspect="1" noMove="1" noResize="1" noEditPoints="1" noAdjustHandles="1" noChangeArrowheads="1" noChangeShapeType="1"/>
+          </p:cNvCxnSpPr>
+          <p:nvPr>
+            <p:extLst>
+              <p:ext uri="{386F3935-93C4-4BCD-93E2-E3B085C9AB24}">
+                <p16:designElem xmlns:p16="http://schemas.microsoft.com/office/powerpoint/2015/main" val="1"/>
+              </p:ext>
+            </p:extLst>
+          </p:nvPr>
+        </p:nvCxnSpPr>
+        <p:spPr>
+          <a:xfrm>
+            <a:off x="1882292" y="640855"/>
+            <a:ext cx="0" cy="640080"/>
+          </a:xfrm>
+          <a:prstGeom prst="line">
+            <a:avLst/>
+          </a:prstGeom>
+          <a:solidFill>
+            <a:schemeClr val="tx1">
+              <a:lumMod val="85000"/>
+              <a:lumOff val="15000"/>
+            </a:schemeClr>
+          </a:solidFill>
+          <a:ln>
+            <a:solidFill>
+              <a:srgbClr val="FFFFFF"/>
+            </a:solidFill>
+            <a:miter lim="800000"/>
+          </a:ln>
+        </p:spPr>
+        <p:style>
+          <a:lnRef idx="1">
+            <a:schemeClr val="accent1"/>
+          </a:lnRef>
+          <a:fillRef idx="0">
+            <a:schemeClr val="accent1"/>
+          </a:fillRef>
+          <a:effectRef idx="0">
+            <a:schemeClr val="accent1"/>
+          </a:effectRef>
+          <a:fontRef idx="minor">
+            <a:schemeClr val="tx1"/>
+          </a:fontRef>
+        </p:style>
+      </p:cxnSp>
+      <p:cxnSp>
+        <p:nvCxnSpPr>
+          <p:cNvPr id="39" name="Straight Connector 38">
+            <a:extLst>
+              <a:ext uri="{FF2B5EF4-FFF2-40B4-BE49-F238E27FC236}">
+                <a16:creationId xmlns:a16="http://schemas.microsoft.com/office/drawing/2014/main" id="{F8D93CCA-A85E-4529-A6F0-8BB54D27BCD1}"/>
+              </a:ext>
+              <a:ext uri="{C183D7F6-B498-43B3-948B-1728B52AA6E4}">
+                <adec:decorative xmlns:adec="http://schemas.microsoft.com/office/drawing/2017/decorative" val="1"/>
+              </a:ext>
+            </a:extLst>
+          </p:cNvPr>
+          <p:cNvCxnSpPr>
+            <a:cxnSpLocks noGrp="1" noRot="1" noChangeAspect="1" noMove="1" noResize="1" noEditPoints="1" noAdjustHandles="1" noChangeArrowheads="1" noChangeShapeType="1"/>
+          </p:cNvCxnSpPr>
+          <p:nvPr>
+            <p:extLst>
+              <p:ext uri="{386F3935-93C4-4BCD-93E2-E3B085C9AB24}">
+                <p16:designElem xmlns:p16="http://schemas.microsoft.com/office/powerpoint/2015/main" val="1"/>
+              </p:ext>
+            </p:extLst>
+          </p:nvPr>
+        </p:nvCxnSpPr>
+        <p:spPr>
+          <a:xfrm>
+            <a:off x="3573932" y="640855"/>
+            <a:ext cx="0" cy="640080"/>
+          </a:xfrm>
+          <a:prstGeom prst="line">
+            <a:avLst/>
+          </a:prstGeom>
+          <a:solidFill>
+            <a:schemeClr val="tx1">
+              <a:lumMod val="85000"/>
+              <a:lumOff val="15000"/>
+            </a:schemeClr>
+          </a:solidFill>
+          <a:ln>
+            <a:solidFill>
+              <a:srgbClr val="FFFFFF"/>
+            </a:solidFill>
+            <a:miter lim="800000"/>
+          </a:ln>
+        </p:spPr>
+        <p:style>
+          <a:lnRef idx="1">
+            <a:schemeClr val="accent1"/>
+          </a:lnRef>
+          <a:fillRef idx="0">
+            <a:schemeClr val="accent1"/>
+          </a:fillRef>
+          <a:effectRef idx="0">
+            <a:schemeClr val="accent1"/>
+          </a:effectRef>
+          <a:fontRef idx="minor">
+            <a:schemeClr val="tx1"/>
+          </a:fontRef>
+        </p:style>
+      </p:cxnSp>
+      <p:cxnSp>
+        <p:nvCxnSpPr>
+          <p:cNvPr id="41" name="Straight Connector 40">
+            <a:extLst>
+              <a:ext uri="{FF2B5EF4-FFF2-40B4-BE49-F238E27FC236}">
+                <a16:creationId xmlns:a16="http://schemas.microsoft.com/office/drawing/2014/main" id="{1ECFA516-C18C-41AE-AFF2-A0D0A59C9E90}"/>
+              </a:ext>
+              <a:ext uri="{C183D7F6-B498-43B3-948B-1728B52AA6E4}">
+                <adec:decorative xmlns:adec="http://schemas.microsoft.com/office/drawing/2017/decorative" val="1"/>
+              </a:ext>
+            </a:extLst>
+          </p:cNvPr>
+          <p:cNvCxnSpPr>
+            <a:cxnSpLocks noGrp="1" noRot="1" noChangeAspect="1" noMove="1" noResize="1" noEditPoints="1" noAdjustHandles="1" noChangeArrowheads="1" noChangeShapeType="1"/>
+          </p:cNvCxnSpPr>
+          <p:nvPr>
+            <p:extLst>
+              <p:ext uri="{386F3935-93C4-4BCD-93E2-E3B085C9AB24}">
+                <p16:designElem xmlns:p16="http://schemas.microsoft.com/office/powerpoint/2015/main" val="1"/>
+              </p:ext>
+            </p:extLst>
+          </p:nvPr>
+        </p:nvCxnSpPr>
+        <p:spPr>
+          <a:xfrm>
+            <a:off x="1882292" y="1286150"/>
+            <a:ext cx="1691640" cy="0"/>
+          </a:xfrm>
+          <a:prstGeom prst="line">
+            <a:avLst/>
+          </a:prstGeom>
+          <a:solidFill>
+            <a:schemeClr val="tx1">
+              <a:lumMod val="85000"/>
+              <a:lumOff val="15000"/>
+            </a:schemeClr>
+          </a:solidFill>
+          <a:ln>
+            <a:solidFill>
+              <a:srgbClr val="FFFFFF"/>
+            </a:solidFill>
+            <a:miter lim="800000"/>
+          </a:ln>
+        </p:spPr>
+        <p:style>
+          <a:lnRef idx="1">
+            <a:schemeClr val="accent1"/>
+          </a:lnRef>
+          <a:fillRef idx="0">
+            <a:schemeClr val="accent1"/>
+          </a:fillRef>
+          <a:effectRef idx="0">
+            <a:schemeClr val="accent1"/>
+          </a:effectRef>
+          <a:fontRef idx="minor">
+            <a:schemeClr val="tx1"/>
+          </a:fontRef>
+        </p:style>
+      </p:cxnSp>
       <p:pic>
         <p:nvPicPr>
-          <p:cNvPr id="5" name="Content Placeholder 4">
+          <p:cNvPr id="7" name="Content Placeholder 6">
             <a:extLst>
               <a:ext uri="{FF2B5EF4-FFF2-40B4-BE49-F238E27FC236}">
-                <a16:creationId xmlns:a16="http://schemas.microsoft.com/office/drawing/2014/main" id="{16F1C096-5EC0-427C-A786-F911054A3077}"/>
+                <a16:creationId xmlns:a16="http://schemas.microsoft.com/office/drawing/2014/main" id="{321413CA-1E90-427F-94FC-823CE885577D}"/>
               </a:ext>
             </a:extLst>
           </p:cNvPr>
@@ -5210,16 +6174,19 @@
           </p:nvPr>
         </p:nvPicPr>
         <p:blipFill>
-          <a:blip r:embed="rId2"/>
+          <a:blip r:embed="rId3"/>
           <a:stretch>
             <a:fillRect/>
           </a:stretch>
         </p:blipFill>
         <p:spPr>
           <a:xfrm>
-            <a:off x="2399323" y="1742831"/>
-            <a:ext cx="7072923" cy="4353169"/>
-          </a:xfrm>
+            <a:off x="5999237" y="645106"/>
+            <a:ext cx="4896903" cy="5564663"/>
+          </a:xfrm>
+          <a:prstGeom prst="rect">
+            <a:avLst/>
+          </a:prstGeom>
         </p:spPr>
       </p:pic>
     </p:spTree>
@@ -5230,7 +6197,7 @@
     </p:extLst>
   </p:cSld>
   <p:clrMapOvr>
-    <a:masterClrMapping/>
+    <a:overrideClrMapping bg1="dk1" tx1="lt1" bg2="dk2" tx2="lt2" accent1="accent1" accent2="accent2" accent3="accent3" accent4="accent4" accent5="accent5" accent6="accent6" hlink="hlink" folHlink="folHlink"/>
   </p:clrMapOvr>
 </p:sld>
 </file>
@@ -5322,9 +6289,308 @@
           <a:p>
             <a:r>
               <a:rPr lang="en-AU" dirty="0" err="1"/>
-              <a:t>Rspec</a:t>
+              <a:t>Rspect</a:t>
             </a:r>
             <a:endParaRPr lang="en-AU" dirty="0"/>
+          </a:p>
+        </p:txBody>
+      </p:sp>
+      <p:sp>
+        <p:nvSpPr>
+          <p:cNvPr id="4" name="Rectangle: Rounded Corners 3">
+            <a:extLst>
+              <a:ext uri="{FF2B5EF4-FFF2-40B4-BE49-F238E27FC236}">
+                <a16:creationId xmlns:a16="http://schemas.microsoft.com/office/drawing/2014/main" id="{83E0C986-8DCC-4FB0-9FF1-5329177587A1}"/>
+              </a:ext>
+            </a:extLst>
+          </p:cNvPr>
+          <p:cNvSpPr/>
+          <p:nvPr/>
+        </p:nvSpPr>
+        <p:spPr>
+          <a:xfrm>
+            <a:off x="6096000" y="2364454"/>
+            <a:ext cx="1460876" cy="643868"/>
+          </a:xfrm>
+          <a:prstGeom prst="roundRect">
+            <a:avLst/>
+          </a:prstGeom>
+        </p:spPr>
+        <p:style>
+          <a:lnRef idx="2">
+            <a:schemeClr val="accent1">
+              <a:shade val="50000"/>
+            </a:schemeClr>
+          </a:lnRef>
+          <a:fillRef idx="1">
+            <a:schemeClr val="accent1"/>
+          </a:fillRef>
+          <a:effectRef idx="0">
+            <a:schemeClr val="accent1"/>
+          </a:effectRef>
+          <a:fontRef idx="minor">
+            <a:schemeClr val="lt1"/>
+          </a:fontRef>
+        </p:style>
+        <p:txBody>
+          <a:bodyPr rtlCol="0" anchor="ctr"/>
+          <a:lstStyle/>
+          <a:p>
+            <a:pPr algn="ctr"/>
+            <a:r>
+              <a:rPr lang="en-AU" dirty="0"/>
+              <a:t>New Entries</a:t>
+            </a:r>
+          </a:p>
+        </p:txBody>
+      </p:sp>
+      <p:sp>
+        <p:nvSpPr>
+          <p:cNvPr id="5" name="Rectangle: Rounded Corners 4">
+            <a:extLst>
+              <a:ext uri="{FF2B5EF4-FFF2-40B4-BE49-F238E27FC236}">
+                <a16:creationId xmlns:a16="http://schemas.microsoft.com/office/drawing/2014/main" id="{7111429B-65B0-4718-8788-9458E27EFFE1}"/>
+              </a:ext>
+            </a:extLst>
+          </p:cNvPr>
+          <p:cNvSpPr/>
+          <p:nvPr/>
+        </p:nvSpPr>
+        <p:spPr>
+          <a:xfrm>
+            <a:off x="8781486" y="2364454"/>
+            <a:ext cx="1406770" cy="643868"/>
+          </a:xfrm>
+          <a:prstGeom prst="roundRect">
+            <a:avLst/>
+          </a:prstGeom>
+        </p:spPr>
+        <p:style>
+          <a:lnRef idx="2">
+            <a:schemeClr val="accent1">
+              <a:shade val="50000"/>
+            </a:schemeClr>
+          </a:lnRef>
+          <a:fillRef idx="1">
+            <a:schemeClr val="accent1"/>
+          </a:fillRef>
+          <a:effectRef idx="0">
+            <a:schemeClr val="accent1"/>
+          </a:effectRef>
+          <a:fontRef idx="minor">
+            <a:schemeClr val="lt1"/>
+          </a:fontRef>
+        </p:style>
+        <p:txBody>
+          <a:bodyPr rtlCol="0" anchor="ctr"/>
+          <a:lstStyle/>
+          <a:p>
+            <a:pPr algn="ctr"/>
+            <a:r>
+              <a:rPr lang="en-AU" dirty="0"/>
+              <a:t>Existing CSV Files</a:t>
+            </a:r>
+          </a:p>
+        </p:txBody>
+      </p:sp>
+      <p:cxnSp>
+        <p:nvCxnSpPr>
+          <p:cNvPr id="13" name="Connector: Elbow 12">
+            <a:extLst>
+              <a:ext uri="{FF2B5EF4-FFF2-40B4-BE49-F238E27FC236}">
+                <a16:creationId xmlns:a16="http://schemas.microsoft.com/office/drawing/2014/main" id="{C8E6E0B0-1882-4CB4-9AD6-8E6F6EB8105D}"/>
+              </a:ext>
+            </a:extLst>
+          </p:cNvPr>
+          <p:cNvCxnSpPr>
+            <a:cxnSpLocks/>
+          </p:cNvCxnSpPr>
+          <p:nvPr/>
+        </p:nvCxnSpPr>
+        <p:spPr>
+          <a:xfrm rot="16200000" flipH="1">
+            <a:off x="6970718" y="3191381"/>
+            <a:ext cx="1276912" cy="910795"/>
+          </a:xfrm>
+          <a:prstGeom prst="bentConnector3">
+            <a:avLst/>
+          </a:prstGeom>
+          <a:ln>
+            <a:tailEnd type="triangle"/>
+          </a:ln>
+        </p:spPr>
+        <p:style>
+          <a:lnRef idx="1">
+            <a:schemeClr val="accent1"/>
+          </a:lnRef>
+          <a:fillRef idx="0">
+            <a:schemeClr val="accent1"/>
+          </a:fillRef>
+          <a:effectRef idx="0">
+            <a:schemeClr val="accent1"/>
+          </a:effectRef>
+          <a:fontRef idx="minor">
+            <a:schemeClr val="tx1"/>
+          </a:fontRef>
+        </p:style>
+      </p:cxnSp>
+      <p:cxnSp>
+        <p:nvCxnSpPr>
+          <p:cNvPr id="15" name="Connector: Elbow 14">
+            <a:extLst>
+              <a:ext uri="{FF2B5EF4-FFF2-40B4-BE49-F238E27FC236}">
+                <a16:creationId xmlns:a16="http://schemas.microsoft.com/office/drawing/2014/main" id="{713B5BB5-3372-47FF-8043-E02431533A21}"/>
+              </a:ext>
+            </a:extLst>
+          </p:cNvPr>
+          <p:cNvCxnSpPr>
+            <a:cxnSpLocks/>
+          </p:cNvCxnSpPr>
+          <p:nvPr/>
+        </p:nvCxnSpPr>
+        <p:spPr>
+          <a:xfrm rot="5400000">
+            <a:off x="8260258" y="3349191"/>
+            <a:ext cx="1276914" cy="595172"/>
+          </a:xfrm>
+          <a:prstGeom prst="bentConnector3">
+            <a:avLst/>
+          </a:prstGeom>
+          <a:ln>
+            <a:tailEnd type="triangle"/>
+          </a:ln>
+        </p:spPr>
+        <p:style>
+          <a:lnRef idx="1">
+            <a:schemeClr val="accent1"/>
+          </a:lnRef>
+          <a:fillRef idx="0">
+            <a:schemeClr val="accent1"/>
+          </a:fillRef>
+          <a:effectRef idx="0">
+            <a:schemeClr val="accent1"/>
+          </a:effectRef>
+          <a:fontRef idx="minor">
+            <a:schemeClr val="tx1"/>
+          </a:fontRef>
+        </p:style>
+      </p:cxnSp>
+      <p:sp>
+        <p:nvSpPr>
+          <p:cNvPr id="17" name="Rectangle: Rounded Corners 16">
+            <a:extLst>
+              <a:ext uri="{FF2B5EF4-FFF2-40B4-BE49-F238E27FC236}">
+                <a16:creationId xmlns:a16="http://schemas.microsoft.com/office/drawing/2014/main" id="{70ABA938-F172-4D7F-99CD-B4B0E196F841}"/>
+              </a:ext>
+            </a:extLst>
+          </p:cNvPr>
+          <p:cNvSpPr/>
+          <p:nvPr/>
+        </p:nvSpPr>
+        <p:spPr>
+          <a:xfrm>
+            <a:off x="7556876" y="4285234"/>
+            <a:ext cx="1639425" cy="779135"/>
+          </a:xfrm>
+          <a:prstGeom prst="roundRect">
+            <a:avLst/>
+          </a:prstGeom>
+        </p:spPr>
+        <p:style>
+          <a:lnRef idx="2">
+            <a:schemeClr val="accent1">
+              <a:shade val="50000"/>
+            </a:schemeClr>
+          </a:lnRef>
+          <a:fillRef idx="1">
+            <a:schemeClr val="accent1"/>
+          </a:fillRef>
+          <a:effectRef idx="0">
+            <a:schemeClr val="accent1"/>
+          </a:effectRef>
+          <a:fontRef idx="minor">
+            <a:schemeClr val="lt1"/>
+          </a:fontRef>
+        </p:style>
+        <p:txBody>
+          <a:bodyPr rtlCol="0" anchor="ctr"/>
+          <a:lstStyle/>
+          <a:p>
+            <a:pPr algn="ctr"/>
+            <a:r>
+              <a:rPr lang="en-AU" dirty="0"/>
+              <a:t>Internal CSV file</a:t>
+            </a:r>
+          </a:p>
+        </p:txBody>
+      </p:sp>
+      <p:sp>
+        <p:nvSpPr>
+          <p:cNvPr id="18" name="TextBox 17">
+            <a:extLst>
+              <a:ext uri="{FF2B5EF4-FFF2-40B4-BE49-F238E27FC236}">
+                <a16:creationId xmlns:a16="http://schemas.microsoft.com/office/drawing/2014/main" id="{F05EE6BF-6FE2-46ED-82E6-7BAE38EB72A2}"/>
+              </a:ext>
+            </a:extLst>
+          </p:cNvPr>
+          <p:cNvSpPr txBox="1"/>
+          <p:nvPr/>
+        </p:nvSpPr>
+        <p:spPr>
+          <a:xfrm>
+            <a:off x="6766018" y="3705305"/>
+            <a:ext cx="1248058" cy="369332"/>
+          </a:xfrm>
+          <a:prstGeom prst="rect">
+            <a:avLst/>
+          </a:prstGeom>
+          <a:noFill/>
+        </p:spPr>
+        <p:txBody>
+          <a:bodyPr wrap="square" rtlCol="0">
+            <a:spAutoFit/>
+          </a:bodyPr>
+          <a:lstStyle/>
+          <a:p>
+            <a:r>
+              <a:rPr lang="en-AU" dirty="0"/>
+              <a:t>Write into</a:t>
+            </a:r>
+          </a:p>
+        </p:txBody>
+      </p:sp>
+      <p:sp>
+        <p:nvSpPr>
+          <p:cNvPr id="19" name="TextBox 18">
+            <a:extLst>
+              <a:ext uri="{FF2B5EF4-FFF2-40B4-BE49-F238E27FC236}">
+                <a16:creationId xmlns:a16="http://schemas.microsoft.com/office/drawing/2014/main" id="{F03A8168-D9E1-4FC5-ABF7-4A7642AA94FF}"/>
+              </a:ext>
+            </a:extLst>
+          </p:cNvPr>
+          <p:cNvSpPr txBox="1"/>
+          <p:nvPr/>
+        </p:nvSpPr>
+        <p:spPr>
+          <a:xfrm>
+            <a:off x="8601129" y="3686773"/>
+            <a:ext cx="1249860" cy="369332"/>
+          </a:xfrm>
+          <a:prstGeom prst="rect">
+            <a:avLst/>
+          </a:prstGeom>
+          <a:noFill/>
+        </p:spPr>
+        <p:txBody>
+          <a:bodyPr wrap="square" rtlCol="0">
+            <a:spAutoFit/>
+          </a:bodyPr>
+          <a:lstStyle/>
+          <a:p>
+            <a:r>
+              <a:rPr lang="en-AU" dirty="0"/>
+              <a:t>Append to</a:t>
+            </a:r>
           </a:p>
         </p:txBody>
       </p:sp>
@@ -5363,7 +6629,7 @@
           <p:cNvPr id="2" name="Title 1">
             <a:extLst>
               <a:ext uri="{FF2B5EF4-FFF2-40B4-BE49-F238E27FC236}">
-                <a16:creationId xmlns:a16="http://schemas.microsoft.com/office/drawing/2014/main" id="{817FA43B-CD2C-48EF-956D-C8CB10C3156E}"/>
+                <a16:creationId xmlns:a16="http://schemas.microsoft.com/office/drawing/2014/main" id="{1A37149B-BA06-49A0-8245-095026E37D03}"/>
               </a:ext>
             </a:extLst>
           </p:cNvPr>
@@ -5380,9 +6646,10 @@
           <a:lstStyle/>
           <a:p>
             <a:r>
-              <a:rPr lang="en-AU" dirty="0"/>
-              <a:t>Further Development</a:t>
-            </a:r>
+              <a:rPr lang="en-US" dirty="0"/>
+              <a:t>Code &amp; structure</a:t>
+            </a:r>
+            <a:endParaRPr lang="en-AU" dirty="0"/>
           </a:p>
         </p:txBody>
       </p:sp>
@@ -5391,7 +6658,7 @@
           <p:cNvPr id="3" name="Content Placeholder 2">
             <a:extLst>
               <a:ext uri="{FF2B5EF4-FFF2-40B4-BE49-F238E27FC236}">
-                <a16:creationId xmlns:a16="http://schemas.microsoft.com/office/drawing/2014/main" id="{2A9864AE-AEF1-45E5-A968-07E002D52BF7}"/>
+                <a16:creationId xmlns:a16="http://schemas.microsoft.com/office/drawing/2014/main" id="{03FB27F6-F93F-4F91-A977-1602A7D91C93}"/>
               </a:ext>
             </a:extLst>
           </p:cNvPr>
@@ -5402,47 +6669,136 @@
             <p:ph idx="1"/>
           </p:nvPr>
         </p:nvSpPr>
-        <p:spPr/>
+        <p:spPr>
+          <a:xfrm>
+            <a:off x="1066800" y="2103120"/>
+            <a:ext cx="5029200" cy="3849624"/>
+          </a:xfrm>
+        </p:spPr>
         <p:txBody>
           <a:bodyPr/>
           <a:lstStyle/>
           <a:p>
             <a:r>
-              <a:rPr lang="en-AU" dirty="0"/>
-              <a:t>Saving entries into CSV / JSON </a:t>
-            </a:r>
-          </a:p>
-          <a:p>
-            <a:r>
-              <a:rPr lang="en-AU" dirty="0"/>
-              <a:t>Using PG package of gem and SQL</a:t>
-            </a:r>
-            <a:r>
-              <a:rPr lang="en-AU"/>
-              <a:t>,  connect </a:t>
-            </a:r>
-            <a:r>
-              <a:rPr lang="en-AU" dirty="0"/>
-              <a:t>app with </a:t>
-            </a:r>
-            <a:r>
-              <a:rPr lang="en-AU" dirty="0" err="1"/>
-              <a:t>PostgradSQL</a:t>
-            </a:r>
-            <a:r>
-              <a:rPr lang="en-AU" dirty="0"/>
-              <a:t>.</a:t>
-            </a:r>
-          </a:p>
-          <a:p>
+              <a:rPr lang="en-US" dirty="0"/>
+              <a:t>Initialize</a:t>
+            </a:r>
+          </a:p>
+          <a:p>
+            <a:r>
+              <a:rPr lang="en-US" dirty="0"/>
+              <a:t>App controller</a:t>
+            </a:r>
+          </a:p>
+          <a:p>
+            <a:r>
+              <a:rPr lang="en-US" dirty="0"/>
+              <a:t>CSV controller</a:t>
+            </a:r>
+          </a:p>
+          <a:p>
+            <a:r>
+              <a:rPr lang="en-US" dirty="0"/>
+              <a:t>Entries format</a:t>
+            </a:r>
             <a:endParaRPr lang="en-AU" dirty="0"/>
           </a:p>
         </p:txBody>
       </p:sp>
+      <p:pic>
+        <p:nvPicPr>
+          <p:cNvPr id="5" name="Picture 4">
+            <a:extLst>
+              <a:ext uri="{FF2B5EF4-FFF2-40B4-BE49-F238E27FC236}">
+                <a16:creationId xmlns:a16="http://schemas.microsoft.com/office/drawing/2014/main" id="{759CF043-4E19-4E30-8C11-851D53DA7B02}"/>
+              </a:ext>
+            </a:extLst>
+          </p:cNvPr>
+          <p:cNvPicPr>
+            <a:picLocks noChangeAspect="1"/>
+          </p:cNvPicPr>
+          <p:nvPr/>
+        </p:nvPicPr>
+        <p:blipFill>
+          <a:blip r:embed="rId2"/>
+          <a:stretch>
+            <a:fillRect/>
+          </a:stretch>
+        </p:blipFill>
+        <p:spPr>
+          <a:xfrm>
+            <a:off x="7385538" y="1622181"/>
+            <a:ext cx="3739662" cy="1806819"/>
+          </a:xfrm>
+          <a:prstGeom prst="rect">
+            <a:avLst/>
+          </a:prstGeom>
+        </p:spPr>
+      </p:pic>
+      <p:pic>
+        <p:nvPicPr>
+          <p:cNvPr id="7" name="Picture 6">
+            <a:extLst>
+              <a:ext uri="{FF2B5EF4-FFF2-40B4-BE49-F238E27FC236}">
+                <a16:creationId xmlns:a16="http://schemas.microsoft.com/office/drawing/2014/main" id="{524C7F48-E0C9-4461-81C5-0B01DD38A584}"/>
+              </a:ext>
+            </a:extLst>
+          </p:cNvPr>
+          <p:cNvPicPr>
+            <a:picLocks noChangeAspect="1"/>
+          </p:cNvPicPr>
+          <p:nvPr/>
+        </p:nvPicPr>
+        <p:blipFill>
+          <a:blip r:embed="rId3"/>
+          <a:stretch>
+            <a:fillRect/>
+          </a:stretch>
+        </p:blipFill>
+        <p:spPr>
+          <a:xfrm>
+            <a:off x="7385538" y="4027932"/>
+            <a:ext cx="3739662" cy="1512276"/>
+          </a:xfrm>
+          <a:prstGeom prst="rect">
+            <a:avLst/>
+          </a:prstGeom>
+        </p:spPr>
+      </p:pic>
+      <p:pic>
+        <p:nvPicPr>
+          <p:cNvPr id="9" name="Picture 8">
+            <a:extLst>
+              <a:ext uri="{FF2B5EF4-FFF2-40B4-BE49-F238E27FC236}">
+                <a16:creationId xmlns:a16="http://schemas.microsoft.com/office/drawing/2014/main" id="{5AA8DD25-61AC-4B29-A93E-6A775340700B}"/>
+              </a:ext>
+            </a:extLst>
+          </p:cNvPr>
+          <p:cNvPicPr>
+            <a:picLocks noChangeAspect="1"/>
+          </p:cNvPicPr>
+          <p:nvPr/>
+        </p:nvPicPr>
+        <p:blipFill>
+          <a:blip r:embed="rId4"/>
+          <a:stretch>
+            <a:fillRect/>
+          </a:stretch>
+        </p:blipFill>
+        <p:spPr>
+          <a:xfrm>
+            <a:off x="1066800" y="4027932"/>
+            <a:ext cx="4620322" cy="1512276"/>
+          </a:xfrm>
+          <a:prstGeom prst="rect">
+            <a:avLst/>
+          </a:prstGeom>
+        </p:spPr>
+      </p:pic>
     </p:spTree>
     <p:extLst>
       <p:ext uri="{BB962C8B-B14F-4D97-AF65-F5344CB8AC3E}">
-        <p14:creationId xmlns:p14="http://schemas.microsoft.com/office/powerpoint/2010/main" val="734493824"/>
+        <p14:creationId xmlns:p14="http://schemas.microsoft.com/office/powerpoint/2010/main" val="2543468488"/>
       </p:ext>
     </p:extLst>
   </p:cSld>
@@ -5526,6 +6882,113 @@
     <p:extLst>
       <p:ext uri="{BB962C8B-B14F-4D97-AF65-F5344CB8AC3E}">
         <p14:creationId xmlns:p14="http://schemas.microsoft.com/office/powerpoint/2010/main" val="2979089710"/>
+      </p:ext>
+    </p:extLst>
+  </p:cSld>
+  <p:clrMapOvr>
+    <a:masterClrMapping/>
+  </p:clrMapOvr>
+</p:sld>
+</file>
+
+<file path=ppt/slides/slide9.xml><?xml version="1.0" encoding="utf-8"?>
+<p:sld xmlns:a="http://schemas.openxmlformats.org/drawingml/2006/main" xmlns:r="http://schemas.openxmlformats.org/officeDocument/2006/relationships" xmlns:p="http://schemas.openxmlformats.org/presentationml/2006/main">
+  <p:cSld>
+    <p:spTree>
+      <p:nvGrpSpPr>
+        <p:cNvPr id="1" name=""/>
+        <p:cNvGrpSpPr/>
+        <p:nvPr/>
+      </p:nvGrpSpPr>
+      <p:grpSpPr>
+        <a:xfrm>
+          <a:off x="0" y="0"/>
+          <a:ext cx="0" cy="0"/>
+          <a:chOff x="0" y="0"/>
+          <a:chExt cx="0" cy="0"/>
+        </a:xfrm>
+      </p:grpSpPr>
+      <p:sp>
+        <p:nvSpPr>
+          <p:cNvPr id="2" name="Title 1">
+            <a:extLst>
+              <a:ext uri="{FF2B5EF4-FFF2-40B4-BE49-F238E27FC236}">
+                <a16:creationId xmlns:a16="http://schemas.microsoft.com/office/drawing/2014/main" id="{817FA43B-CD2C-48EF-956D-C8CB10C3156E}"/>
+              </a:ext>
+            </a:extLst>
+          </p:cNvPr>
+          <p:cNvSpPr>
+            <a:spLocks noGrp="1"/>
+          </p:cNvSpPr>
+          <p:nvPr>
+            <p:ph type="title"/>
+          </p:nvPr>
+        </p:nvSpPr>
+        <p:spPr/>
+        <p:txBody>
+          <a:bodyPr/>
+          <a:lstStyle/>
+          <a:p>
+            <a:r>
+              <a:rPr lang="en-AU" dirty="0"/>
+              <a:t>Further Development</a:t>
+            </a:r>
+          </a:p>
+        </p:txBody>
+      </p:sp>
+      <p:sp>
+        <p:nvSpPr>
+          <p:cNvPr id="3" name="Content Placeholder 2">
+            <a:extLst>
+              <a:ext uri="{FF2B5EF4-FFF2-40B4-BE49-F238E27FC236}">
+                <a16:creationId xmlns:a16="http://schemas.microsoft.com/office/drawing/2014/main" id="{2A9864AE-AEF1-45E5-A968-07E002D52BF7}"/>
+              </a:ext>
+            </a:extLst>
+          </p:cNvPr>
+          <p:cNvSpPr>
+            <a:spLocks noGrp="1"/>
+          </p:cNvSpPr>
+          <p:nvPr>
+            <p:ph idx="1"/>
+          </p:nvPr>
+        </p:nvSpPr>
+        <p:spPr/>
+        <p:txBody>
+          <a:bodyPr/>
+          <a:lstStyle/>
+          <a:p>
+            <a:r>
+              <a:rPr lang="en-AU" dirty="0" err="1"/>
+              <a:t>Binnary</a:t>
+            </a:r>
+            <a:r>
+              <a:rPr lang="en-AU" dirty="0"/>
+              <a:t> search &amp; editing</a:t>
+            </a:r>
+          </a:p>
+          <a:p>
+            <a:r>
+              <a:rPr lang="en-AU" dirty="0"/>
+              <a:t>Using PG package of gem and SQL,  connect app with </a:t>
+            </a:r>
+            <a:r>
+              <a:rPr lang="en-AU" dirty="0" err="1"/>
+              <a:t>PostgradSQL</a:t>
+            </a:r>
+            <a:r>
+              <a:rPr lang="en-AU" dirty="0"/>
+              <a:t>.</a:t>
+            </a:r>
+          </a:p>
+          <a:p>
+            <a:endParaRPr lang="en-AU" dirty="0"/>
+          </a:p>
+        </p:txBody>
+      </p:sp>
+    </p:spTree>
+    <p:extLst>
+      <p:ext uri="{BB962C8B-B14F-4D97-AF65-F5344CB8AC3E}">
+        <p14:creationId xmlns:p14="http://schemas.microsoft.com/office/powerpoint/2010/main" val="734493824"/>
       </p:ext>
     </p:extLst>
   </p:cSld>
